--- a/AWS SAP/AWS SAP.pptx
+++ b/AWS SAP/AWS SAP.pptx
@@ -7,6 +7,9 @@
   <p:sldIdLst>
     <p:sldId id="256" r:id="rId2"/>
     <p:sldId id="257" r:id="rId3"/>
+    <p:sldId id="258" r:id="rId4"/>
+    <p:sldId id="259" r:id="rId5"/>
+    <p:sldId id="260" r:id="rId6"/>
   </p:sldIdLst>
   <p:sldSz cx="12192000" cy="6858000"/>
   <p:notesSz cx="6858000" cy="9144000"/>
@@ -105,6 +108,11 @@
       </a:defRPr>
     </a:lvl9pPr>
   </p:defaultTextStyle>
+  <p:extLst>
+    <p:ext uri="{EFAFB233-063F-42B5-8137-9DF3F51BA10A}">
+      <p15:sldGuideLst xmlns:p15="http://schemas.microsoft.com/office/powerpoint/2012/main"/>
+    </p:ext>
+  </p:extLst>
 </p:presentation>
 </file>
 
@@ -255,7 +263,7 @@
           <a:p>
             <a:fld id="{ACF4A5FB-3432-4BE0-A0BA-6C053C088C3D}" type="datetimeFigureOut">
               <a:rPr kumimoji="1" lang="ja-JP" altLang="en-US" smtClean="0"/>
-              <a:t>2024/4/8</a:t>
+              <a:t>2024/4/9</a:t>
             </a:fld>
             <a:endParaRPr kumimoji="1" lang="ja-JP" altLang="en-US"/>
           </a:p>
@@ -485,7 +493,7 @@
           <a:p>
             <a:fld id="{ACF4A5FB-3432-4BE0-A0BA-6C053C088C3D}" type="datetimeFigureOut">
               <a:rPr kumimoji="1" lang="ja-JP" altLang="en-US" smtClean="0"/>
-              <a:t>2024/4/8</a:t>
+              <a:t>2024/4/9</a:t>
             </a:fld>
             <a:endParaRPr kumimoji="1" lang="ja-JP" altLang="en-US"/>
           </a:p>
@@ -725,7 +733,7 @@
           <a:p>
             <a:fld id="{ACF4A5FB-3432-4BE0-A0BA-6C053C088C3D}" type="datetimeFigureOut">
               <a:rPr kumimoji="1" lang="ja-JP" altLang="en-US" smtClean="0"/>
-              <a:t>2024/4/8</a:t>
+              <a:t>2024/4/9</a:t>
             </a:fld>
             <a:endParaRPr kumimoji="1" lang="ja-JP" altLang="en-US"/>
           </a:p>
@@ -955,7 +963,7 @@
           <a:p>
             <a:fld id="{ACF4A5FB-3432-4BE0-A0BA-6C053C088C3D}" type="datetimeFigureOut">
               <a:rPr kumimoji="1" lang="ja-JP" altLang="en-US" smtClean="0"/>
-              <a:t>2024/4/8</a:t>
+              <a:t>2024/4/9</a:t>
             </a:fld>
             <a:endParaRPr kumimoji="1" lang="ja-JP" altLang="en-US"/>
           </a:p>
@@ -1230,7 +1238,7 @@
           <a:p>
             <a:fld id="{ACF4A5FB-3432-4BE0-A0BA-6C053C088C3D}" type="datetimeFigureOut">
               <a:rPr kumimoji="1" lang="ja-JP" altLang="en-US" smtClean="0"/>
-              <a:t>2024/4/8</a:t>
+              <a:t>2024/4/9</a:t>
             </a:fld>
             <a:endParaRPr kumimoji="1" lang="ja-JP" altLang="en-US"/>
           </a:p>
@@ -1559,7 +1567,7 @@
           <a:p>
             <a:fld id="{ACF4A5FB-3432-4BE0-A0BA-6C053C088C3D}" type="datetimeFigureOut">
               <a:rPr kumimoji="1" lang="ja-JP" altLang="en-US" smtClean="0"/>
-              <a:t>2024/4/8</a:t>
+              <a:t>2024/4/9</a:t>
             </a:fld>
             <a:endParaRPr kumimoji="1" lang="ja-JP" altLang="en-US"/>
           </a:p>
@@ -2035,7 +2043,7 @@
           <a:p>
             <a:fld id="{ACF4A5FB-3432-4BE0-A0BA-6C053C088C3D}" type="datetimeFigureOut">
               <a:rPr kumimoji="1" lang="ja-JP" altLang="en-US" smtClean="0"/>
-              <a:t>2024/4/8</a:t>
+              <a:t>2024/4/9</a:t>
             </a:fld>
             <a:endParaRPr kumimoji="1" lang="ja-JP" altLang="en-US"/>
           </a:p>
@@ -2176,7 +2184,7 @@
           <a:p>
             <a:fld id="{ACF4A5FB-3432-4BE0-A0BA-6C053C088C3D}" type="datetimeFigureOut">
               <a:rPr kumimoji="1" lang="ja-JP" altLang="en-US" smtClean="0"/>
-              <a:t>2024/4/8</a:t>
+              <a:t>2024/4/9</a:t>
             </a:fld>
             <a:endParaRPr kumimoji="1" lang="ja-JP" altLang="en-US"/>
           </a:p>
@@ -2289,7 +2297,7 @@
           <a:p>
             <a:fld id="{ACF4A5FB-3432-4BE0-A0BA-6C053C088C3D}" type="datetimeFigureOut">
               <a:rPr kumimoji="1" lang="ja-JP" altLang="en-US" smtClean="0"/>
-              <a:t>2024/4/8</a:t>
+              <a:t>2024/4/9</a:t>
             </a:fld>
             <a:endParaRPr kumimoji="1" lang="ja-JP" altLang="en-US"/>
           </a:p>
@@ -2632,7 +2640,7 @@
           <a:p>
             <a:fld id="{ACF4A5FB-3432-4BE0-A0BA-6C053C088C3D}" type="datetimeFigureOut">
               <a:rPr kumimoji="1" lang="ja-JP" altLang="en-US" smtClean="0"/>
-              <a:t>2024/4/8</a:t>
+              <a:t>2024/4/9</a:t>
             </a:fld>
             <a:endParaRPr kumimoji="1" lang="ja-JP" altLang="en-US"/>
           </a:p>
@@ -2920,7 +2928,7 @@
           <a:p>
             <a:fld id="{ACF4A5FB-3432-4BE0-A0BA-6C053C088C3D}" type="datetimeFigureOut">
               <a:rPr kumimoji="1" lang="ja-JP" altLang="en-US" smtClean="0"/>
-              <a:t>2024/4/8</a:t>
+              <a:t>2024/4/9</a:t>
             </a:fld>
             <a:endParaRPr kumimoji="1" lang="ja-JP" altLang="en-US"/>
           </a:p>
@@ -3193,7 +3201,7 @@
           <a:p>
             <a:fld id="{ACF4A5FB-3432-4BE0-A0BA-6C053C088C3D}" type="datetimeFigureOut">
               <a:rPr kumimoji="1" lang="ja-JP" altLang="en-US" smtClean="0"/>
-              <a:t>2024/4/8</a:t>
+              <a:t>2024/4/9</a:t>
             </a:fld>
             <a:endParaRPr kumimoji="1" lang="ja-JP" altLang="en-US"/>
           </a:p>
@@ -4056,6 +4064,903 @@
 </p:sld>
 </file>
 
+<file path=ppt/slides/slide3.xml><?xml version="1.0" encoding="utf-8"?>
+<p:sld xmlns:a="http://schemas.openxmlformats.org/drawingml/2006/main" xmlns:r="http://schemas.openxmlformats.org/officeDocument/2006/relationships" xmlns:p="http://schemas.openxmlformats.org/presentationml/2006/main">
+  <p:cSld>
+    <p:spTree>
+      <p:nvGrpSpPr>
+        <p:cNvPr id="1" name=""/>
+        <p:cNvGrpSpPr/>
+        <p:nvPr/>
+      </p:nvGrpSpPr>
+      <p:grpSpPr>
+        <a:xfrm>
+          <a:off x="0" y="0"/>
+          <a:ext cx="0" cy="0"/>
+          <a:chOff x="0" y="0"/>
+          <a:chExt cx="0" cy="0"/>
+        </a:xfrm>
+      </p:grpSpPr>
+      <p:sp>
+        <p:nvSpPr>
+          <p:cNvPr id="2" name="タイトル 1">
+            <a:extLst>
+              <a:ext uri="{FF2B5EF4-FFF2-40B4-BE49-F238E27FC236}">
+                <a16:creationId xmlns:a16="http://schemas.microsoft.com/office/drawing/2014/main" id="{8762E424-8930-4B70-960E-2E69BF8AC37C}"/>
+              </a:ext>
+            </a:extLst>
+          </p:cNvPr>
+          <p:cNvSpPr>
+            <a:spLocks noGrp="1"/>
+          </p:cNvSpPr>
+          <p:nvPr>
+            <p:ph type="title"/>
+          </p:nvPr>
+        </p:nvSpPr>
+        <p:spPr>
+          <a:xfrm>
+            <a:off x="237066" y="614362"/>
+            <a:ext cx="10515600" cy="600075"/>
+          </a:xfrm>
+        </p:spPr>
+        <p:txBody>
+          <a:bodyPr>
+            <a:normAutofit fontScale="90000"/>
+          </a:bodyPr>
+          <a:lstStyle/>
+          <a:p>
+            <a:r>
+              <a:rPr lang="en-US" altLang="ja-JP" b="0" i="0" dirty="0">
+                <a:solidFill>
+                  <a:srgbClr val="111111"/>
+                </a:solidFill>
+                <a:effectLst/>
+                <a:highlight>
+                  <a:srgbClr val="FFFFFF"/>
+                </a:highlight>
+                <a:latin typeface="Noto Sans JP"/>
+              </a:rPr>
+              <a:t>AWS Patch Manager</a:t>
+            </a:r>
+            <a:r>
+              <a:rPr lang="ja-JP" altLang="en-US" b="0" i="0" dirty="0">
+                <a:solidFill>
+                  <a:srgbClr val="111111"/>
+                </a:solidFill>
+                <a:effectLst/>
+                <a:highlight>
+                  <a:srgbClr val="FFFFFF"/>
+                </a:highlight>
+                <a:latin typeface="Noto Sans JP"/>
+              </a:rPr>
+              <a:t>を利用した</a:t>
+            </a:r>
+            <a:r>
+              <a:rPr lang="en-US" altLang="ja-JP" b="0" i="0" dirty="0">
+                <a:solidFill>
+                  <a:srgbClr val="111111"/>
+                </a:solidFill>
+                <a:effectLst/>
+                <a:highlight>
+                  <a:srgbClr val="FFFFFF"/>
+                </a:highlight>
+                <a:latin typeface="Noto Sans JP"/>
+              </a:rPr>
+              <a:t>OS</a:t>
+            </a:r>
+            <a:r>
+              <a:rPr lang="ja-JP" altLang="en-US" b="0" i="0" dirty="0">
+                <a:solidFill>
+                  <a:srgbClr val="111111"/>
+                </a:solidFill>
+                <a:effectLst/>
+                <a:highlight>
+                  <a:srgbClr val="FFFFFF"/>
+                </a:highlight>
+                <a:latin typeface="Noto Sans JP"/>
+              </a:rPr>
+              <a:t>パッチ自動適用の全体像</a:t>
+            </a:r>
+            <a:endParaRPr kumimoji="1" lang="ja-JP" altLang="en-US" dirty="0"/>
+          </a:p>
+        </p:txBody>
+      </p:sp>
+      <p:pic>
+        <p:nvPicPr>
+          <p:cNvPr id="3" name="Picture 2">
+            <a:extLst>
+              <a:ext uri="{FF2B5EF4-FFF2-40B4-BE49-F238E27FC236}">
+                <a16:creationId xmlns:a16="http://schemas.microsoft.com/office/drawing/2014/main" id="{8490A2B1-B0ED-CDA0-2115-A73AFBCA0D46}"/>
+              </a:ext>
+            </a:extLst>
+          </p:cNvPr>
+          <p:cNvPicPr>
+            <a:picLocks noChangeAspect="1" noChangeArrowheads="1"/>
+          </p:cNvPicPr>
+          <p:nvPr/>
+        </p:nvPicPr>
+        <p:blipFill>
+          <a:blip r:embed="rId2">
+            <a:extLst>
+              <a:ext uri="{28A0092B-C50C-407E-A947-70E740481C1C}">
+                <a14:useLocalDpi xmlns:a14="http://schemas.microsoft.com/office/drawing/2010/main" val="0"/>
+              </a:ext>
+            </a:extLst>
+          </a:blip>
+          <a:srcRect/>
+          <a:stretch>
+            <a:fillRect/>
+          </a:stretch>
+        </p:blipFill>
+        <p:spPr bwMode="auto">
+          <a:xfrm>
+            <a:off x="601132" y="2338630"/>
+            <a:ext cx="8644467" cy="3804466"/>
+          </a:xfrm>
+          <a:prstGeom prst="rect">
+            <a:avLst/>
+          </a:prstGeom>
+          <a:noFill/>
+          <a:extLst>
+            <a:ext uri="{909E8E84-426E-40DD-AFC4-6F175D3DCCD1}">
+              <a14:hiddenFill xmlns:a14="http://schemas.microsoft.com/office/drawing/2010/main">
+                <a:solidFill>
+                  <a:srgbClr val="FFFFFF"/>
+                </a:solidFill>
+              </a14:hiddenFill>
+            </a:ext>
+          </a:extLst>
+        </p:spPr>
+      </p:pic>
+    </p:spTree>
+    <p:extLst>
+      <p:ext uri="{BB962C8B-B14F-4D97-AF65-F5344CB8AC3E}">
+        <p14:creationId xmlns:p14="http://schemas.microsoft.com/office/powerpoint/2010/main" val="1244609662"/>
+      </p:ext>
+    </p:extLst>
+  </p:cSld>
+  <p:clrMapOvr>
+    <a:masterClrMapping/>
+  </p:clrMapOvr>
+</p:sld>
+</file>
+
+<file path=ppt/slides/slide4.xml><?xml version="1.0" encoding="utf-8"?>
+<p:sld xmlns:a="http://schemas.openxmlformats.org/drawingml/2006/main" xmlns:r="http://schemas.openxmlformats.org/officeDocument/2006/relationships" xmlns:p="http://schemas.openxmlformats.org/presentationml/2006/main">
+  <p:cSld>
+    <p:spTree>
+      <p:nvGrpSpPr>
+        <p:cNvPr id="1" name=""/>
+        <p:cNvGrpSpPr/>
+        <p:nvPr/>
+      </p:nvGrpSpPr>
+      <p:grpSpPr>
+        <a:xfrm>
+          <a:off x="0" y="0"/>
+          <a:ext cx="0" cy="0"/>
+          <a:chOff x="0" y="0"/>
+          <a:chExt cx="0" cy="0"/>
+        </a:xfrm>
+      </p:grpSpPr>
+      <p:sp>
+        <p:nvSpPr>
+          <p:cNvPr id="2" name="タイトル 1">
+            <a:extLst>
+              <a:ext uri="{FF2B5EF4-FFF2-40B4-BE49-F238E27FC236}">
+                <a16:creationId xmlns:a16="http://schemas.microsoft.com/office/drawing/2014/main" id="{8762E424-8930-4B70-960E-2E69BF8AC37C}"/>
+              </a:ext>
+            </a:extLst>
+          </p:cNvPr>
+          <p:cNvSpPr>
+            <a:spLocks noGrp="1"/>
+          </p:cNvSpPr>
+          <p:nvPr>
+            <p:ph type="title"/>
+          </p:nvPr>
+        </p:nvSpPr>
+        <p:spPr>
+          <a:xfrm>
+            <a:off x="237066" y="614362"/>
+            <a:ext cx="10515600" cy="600075"/>
+          </a:xfrm>
+        </p:spPr>
+        <p:txBody>
+          <a:bodyPr>
+            <a:normAutofit fontScale="90000"/>
+          </a:bodyPr>
+          <a:lstStyle/>
+          <a:p>
+            <a:pPr algn="l" latinLnBrk="1"/>
+            <a:r>
+              <a:rPr lang="en-US" altLang="ja-JP" b="1" i="0" dirty="0">
+                <a:effectLst/>
+                <a:highlight>
+                  <a:srgbClr val="FFFFFF"/>
+                </a:highlight>
+                <a:latin typeface="YakuHanJPs"/>
+              </a:rPr>
+              <a:t>AWS Database Migration Service (DMS) </a:t>
+            </a:r>
+            <a:r>
+              <a:rPr lang="ja-JP" altLang="en-US" b="1" i="0" dirty="0">
+                <a:effectLst/>
+                <a:highlight>
+                  <a:srgbClr val="FFFFFF"/>
+                </a:highlight>
+                <a:latin typeface="YakuHanJPs"/>
+              </a:rPr>
+              <a:t>を使ってみる</a:t>
+            </a:r>
+          </a:p>
+        </p:txBody>
+      </p:sp>
+      <p:pic>
+        <p:nvPicPr>
+          <p:cNvPr id="2050" name="Picture 2">
+            <a:extLst>
+              <a:ext uri="{FF2B5EF4-FFF2-40B4-BE49-F238E27FC236}">
+                <a16:creationId xmlns:a16="http://schemas.microsoft.com/office/drawing/2014/main" id="{04DAEA4E-7214-1DF2-89B5-00DDF307E380}"/>
+              </a:ext>
+            </a:extLst>
+          </p:cNvPr>
+          <p:cNvPicPr>
+            <a:picLocks noChangeAspect="1" noChangeArrowheads="1"/>
+          </p:cNvPicPr>
+          <p:nvPr/>
+        </p:nvPicPr>
+        <p:blipFill>
+          <a:blip r:embed="rId2">
+            <a:extLst>
+              <a:ext uri="{28A0092B-C50C-407E-A947-70E740481C1C}">
+                <a14:useLocalDpi xmlns:a14="http://schemas.microsoft.com/office/drawing/2010/main" val="0"/>
+              </a:ext>
+            </a:extLst>
+          </a:blip>
+          <a:srcRect/>
+          <a:stretch>
+            <a:fillRect/>
+          </a:stretch>
+        </p:blipFill>
+        <p:spPr bwMode="auto">
+          <a:xfrm>
+            <a:off x="502674" y="1684867"/>
+            <a:ext cx="5593326" cy="3124200"/>
+          </a:xfrm>
+          <a:prstGeom prst="rect">
+            <a:avLst/>
+          </a:prstGeom>
+          <a:noFill/>
+          <a:extLst>
+            <a:ext uri="{909E8E84-426E-40DD-AFC4-6F175D3DCCD1}">
+              <a14:hiddenFill xmlns:a14="http://schemas.microsoft.com/office/drawing/2010/main">
+                <a:solidFill>
+                  <a:srgbClr val="FFFFFF"/>
+                </a:solidFill>
+              </a14:hiddenFill>
+            </a:ext>
+          </a:extLst>
+        </p:spPr>
+      </p:pic>
+      <p:sp>
+        <p:nvSpPr>
+          <p:cNvPr id="5" name="テキスト ボックス 4">
+            <a:extLst>
+              <a:ext uri="{FF2B5EF4-FFF2-40B4-BE49-F238E27FC236}">
+                <a16:creationId xmlns:a16="http://schemas.microsoft.com/office/drawing/2014/main" id="{159B361D-6A1B-0DF8-C671-892D44D4A6E1}"/>
+              </a:ext>
+            </a:extLst>
+          </p:cNvPr>
+          <p:cNvSpPr txBox="1"/>
+          <p:nvPr/>
+        </p:nvSpPr>
+        <p:spPr>
+          <a:xfrm>
+            <a:off x="6096000" y="1815806"/>
+            <a:ext cx="6096000" cy="2862322"/>
+          </a:xfrm>
+          <a:prstGeom prst="rect">
+            <a:avLst/>
+          </a:prstGeom>
+          <a:noFill/>
+        </p:spPr>
+        <p:txBody>
+          <a:bodyPr wrap="square">
+            <a:spAutoFit/>
+          </a:bodyPr>
+          <a:lstStyle/>
+          <a:p>
+            <a:pPr algn="l">
+              <a:buFont typeface="Arial" panose="020B0604020202020204" pitchFamily="34" charset="0"/>
+              <a:buChar char="•"/>
+            </a:pPr>
+            <a:r>
+              <a:rPr lang="en-US" altLang="ja-JP" b="0" i="0" dirty="0">
+                <a:effectLst/>
+                <a:highlight>
+                  <a:srgbClr val="FFFFFF"/>
+                </a:highlight>
+                <a:latin typeface="YakuHanJPs"/>
+              </a:rPr>
+              <a:t>EC2</a:t>
+            </a:r>
+            <a:r>
+              <a:rPr lang="ja-JP" altLang="en-US" b="0" i="0" dirty="0">
+                <a:effectLst/>
+                <a:highlight>
+                  <a:srgbClr val="FFFFFF"/>
+                </a:highlight>
+                <a:latin typeface="YakuHanJPs"/>
+              </a:rPr>
+              <a:t>インスタンスに</a:t>
+            </a:r>
+            <a:r>
+              <a:rPr lang="en-US" altLang="ja-JP" b="0" i="0" dirty="0">
+                <a:effectLst/>
+                <a:highlight>
+                  <a:srgbClr val="FFFFFF"/>
+                </a:highlight>
+                <a:latin typeface="YakuHanJPs"/>
+              </a:rPr>
+              <a:t>WordPress</a:t>
+            </a:r>
+            <a:r>
+              <a:rPr lang="ja-JP" altLang="en-US" b="0" i="0" dirty="0">
+                <a:effectLst/>
+                <a:highlight>
+                  <a:srgbClr val="FFFFFF"/>
+                </a:highlight>
+                <a:latin typeface="YakuHanJPs"/>
+              </a:rPr>
+              <a:t>をインストール</a:t>
+            </a:r>
+            <a:r>
+              <a:rPr lang="en-US" altLang="ja-JP" b="0" i="0" dirty="0">
+                <a:effectLst/>
+                <a:highlight>
+                  <a:srgbClr val="FFFFFF"/>
+                </a:highlight>
+                <a:latin typeface="YakuHanJPs"/>
+              </a:rPr>
+              <a:t>(</a:t>
+            </a:r>
+            <a:r>
+              <a:rPr lang="ja-JP" altLang="en-US" b="0" i="0" dirty="0">
+                <a:effectLst/>
+                <a:highlight>
+                  <a:srgbClr val="FFFFFF"/>
+                </a:highlight>
+                <a:latin typeface="YakuHanJPs"/>
+              </a:rPr>
+              <a:t>移行元となる</a:t>
+            </a:r>
+            <a:r>
+              <a:rPr lang="en-US" altLang="ja-JP" b="0" i="0" dirty="0">
+                <a:effectLst/>
+                <a:highlight>
+                  <a:srgbClr val="FFFFFF"/>
+                </a:highlight>
+                <a:latin typeface="YakuHanJPs"/>
+              </a:rPr>
+              <a:t>MariaDB 5.5</a:t>
+            </a:r>
+            <a:r>
+              <a:rPr lang="ja-JP" altLang="en-US" b="0" i="0" dirty="0">
+                <a:effectLst/>
+                <a:highlight>
+                  <a:srgbClr val="FFFFFF"/>
+                </a:highlight>
+                <a:latin typeface="YakuHanJPs"/>
+              </a:rPr>
+              <a:t>を</a:t>
+            </a:r>
+            <a:r>
+              <a:rPr lang="en-US" altLang="ja-JP" b="0" i="0" dirty="0">
+                <a:effectLst/>
+                <a:highlight>
+                  <a:srgbClr val="FFFFFF"/>
+                </a:highlight>
+                <a:latin typeface="YakuHanJPs"/>
+              </a:rPr>
+              <a:t>EC2</a:t>
+            </a:r>
+            <a:r>
+              <a:rPr lang="ja-JP" altLang="en-US" b="0" i="0" dirty="0">
+                <a:effectLst/>
+                <a:highlight>
+                  <a:srgbClr val="FFFFFF"/>
+                </a:highlight>
+                <a:latin typeface="YakuHanJPs"/>
+              </a:rPr>
+              <a:t>インスタンス内にインストール</a:t>
+            </a:r>
+            <a:r>
+              <a:rPr lang="en-US" altLang="ja-JP" b="0" i="0" dirty="0">
+                <a:effectLst/>
+                <a:highlight>
+                  <a:srgbClr val="FFFFFF"/>
+                </a:highlight>
+                <a:latin typeface="YakuHanJPs"/>
+              </a:rPr>
+              <a:t>)</a:t>
+            </a:r>
+          </a:p>
+          <a:p>
+            <a:pPr algn="l">
+              <a:buFont typeface="Arial" panose="020B0604020202020204" pitchFamily="34" charset="0"/>
+              <a:buChar char="•"/>
+            </a:pPr>
+            <a:r>
+              <a:rPr lang="ja-JP" altLang="en-US" b="0" i="0" dirty="0">
+                <a:effectLst/>
+                <a:highlight>
+                  <a:srgbClr val="FFFFFF"/>
+                </a:highlight>
+                <a:latin typeface="YakuHanJPs"/>
+              </a:rPr>
+              <a:t>移行先の</a:t>
+            </a:r>
+            <a:r>
+              <a:rPr lang="en-US" altLang="ja-JP" b="0" i="0" dirty="0">
+                <a:effectLst/>
+                <a:highlight>
+                  <a:srgbClr val="FFFFFF"/>
+                </a:highlight>
+                <a:latin typeface="YakuHanJPs"/>
+              </a:rPr>
+              <a:t>RDS(MariaDB 10.4)</a:t>
+            </a:r>
+            <a:r>
+              <a:rPr lang="ja-JP" altLang="en-US" b="0" i="0" dirty="0">
+                <a:effectLst/>
+                <a:highlight>
+                  <a:srgbClr val="FFFFFF"/>
+                </a:highlight>
+                <a:latin typeface="YakuHanJPs"/>
+              </a:rPr>
+              <a:t>を作成</a:t>
+            </a:r>
+          </a:p>
+          <a:p>
+            <a:pPr algn="l">
+              <a:buFont typeface="Arial" panose="020B0604020202020204" pitchFamily="34" charset="0"/>
+              <a:buChar char="•"/>
+            </a:pPr>
+            <a:r>
+              <a:rPr lang="en-US" altLang="ja-JP" b="0" i="0" dirty="0">
+                <a:effectLst/>
+                <a:highlight>
+                  <a:srgbClr val="FFFFFF"/>
+                </a:highlight>
+                <a:latin typeface="YakuHanJPs"/>
+              </a:rPr>
+              <a:t>DMS</a:t>
+            </a:r>
+            <a:r>
+              <a:rPr lang="ja-JP" altLang="en-US" b="0" i="0" dirty="0">
+                <a:effectLst/>
+                <a:highlight>
+                  <a:srgbClr val="FFFFFF"/>
+                </a:highlight>
+                <a:latin typeface="YakuHanJPs"/>
+              </a:rPr>
+              <a:t>のレプリケーションインスタンス</a:t>
+            </a:r>
+            <a:r>
+              <a:rPr lang="en-US" altLang="ja-JP" b="0" i="0" dirty="0">
+                <a:effectLst/>
+                <a:highlight>
+                  <a:srgbClr val="FFFFFF"/>
+                </a:highlight>
+                <a:latin typeface="YakuHanJPs"/>
+              </a:rPr>
+              <a:t>(</a:t>
+            </a:r>
+            <a:r>
+              <a:rPr lang="ja-JP" altLang="en-US" b="0" i="0" dirty="0">
+                <a:effectLst/>
+                <a:highlight>
+                  <a:srgbClr val="FFFFFF"/>
+                </a:highlight>
+                <a:latin typeface="YakuHanJPs"/>
+              </a:rPr>
+              <a:t>データ移行を行うインスタンス</a:t>
+            </a:r>
+            <a:r>
+              <a:rPr lang="en-US" altLang="ja-JP" b="0" i="0" dirty="0">
+                <a:effectLst/>
+                <a:highlight>
+                  <a:srgbClr val="FFFFFF"/>
+                </a:highlight>
+                <a:latin typeface="YakuHanJPs"/>
+              </a:rPr>
+              <a:t>)</a:t>
+            </a:r>
+            <a:r>
+              <a:rPr lang="ja-JP" altLang="en-US" b="0" i="0" dirty="0">
+                <a:effectLst/>
+                <a:highlight>
+                  <a:srgbClr val="FFFFFF"/>
+                </a:highlight>
+                <a:latin typeface="YakuHanJPs"/>
+              </a:rPr>
+              <a:t>を作成</a:t>
+            </a:r>
+          </a:p>
+          <a:p>
+            <a:pPr algn="l">
+              <a:buFont typeface="Arial" panose="020B0604020202020204" pitchFamily="34" charset="0"/>
+              <a:buChar char="•"/>
+            </a:pPr>
+            <a:r>
+              <a:rPr lang="en-US" altLang="ja-JP" b="0" i="0" dirty="0">
+                <a:effectLst/>
+                <a:highlight>
+                  <a:srgbClr val="FFFFFF"/>
+                </a:highlight>
+                <a:latin typeface="YakuHanJPs"/>
+              </a:rPr>
+              <a:t>DMS</a:t>
+            </a:r>
+            <a:r>
+              <a:rPr lang="ja-JP" altLang="en-US" b="0" i="0" dirty="0">
+                <a:effectLst/>
+                <a:highlight>
+                  <a:srgbClr val="FFFFFF"/>
+                </a:highlight>
+                <a:latin typeface="YakuHanJPs"/>
+              </a:rPr>
+              <a:t>のソースエンドポイント</a:t>
+            </a:r>
+            <a:r>
+              <a:rPr lang="en-US" altLang="ja-JP" b="0" i="0" dirty="0">
+                <a:effectLst/>
+                <a:highlight>
+                  <a:srgbClr val="FFFFFF"/>
+                </a:highlight>
+                <a:latin typeface="YakuHanJPs"/>
+              </a:rPr>
+              <a:t>(</a:t>
+            </a:r>
+            <a:r>
+              <a:rPr lang="ja-JP" altLang="en-US" b="0" i="0" dirty="0">
+                <a:effectLst/>
+                <a:highlight>
+                  <a:srgbClr val="FFFFFF"/>
+                </a:highlight>
+                <a:latin typeface="YakuHanJPs"/>
+              </a:rPr>
+              <a:t>移行元への接続情報</a:t>
+            </a:r>
+            <a:r>
+              <a:rPr lang="en-US" altLang="ja-JP" b="0" i="0" dirty="0">
+                <a:effectLst/>
+                <a:highlight>
+                  <a:srgbClr val="FFFFFF"/>
+                </a:highlight>
+                <a:latin typeface="YakuHanJPs"/>
+              </a:rPr>
+              <a:t>)</a:t>
+            </a:r>
+            <a:r>
+              <a:rPr lang="ja-JP" altLang="en-US" b="0" i="0" dirty="0">
+                <a:effectLst/>
+                <a:highlight>
+                  <a:srgbClr val="FFFFFF"/>
+                </a:highlight>
+                <a:latin typeface="YakuHanJPs"/>
+              </a:rPr>
+              <a:t>、ターゲットエンドポイント</a:t>
+            </a:r>
+            <a:r>
+              <a:rPr lang="en-US" altLang="ja-JP" b="0" i="0" dirty="0">
+                <a:effectLst/>
+                <a:highlight>
+                  <a:srgbClr val="FFFFFF"/>
+                </a:highlight>
+                <a:latin typeface="YakuHanJPs"/>
+              </a:rPr>
+              <a:t>(</a:t>
+            </a:r>
+            <a:r>
+              <a:rPr lang="ja-JP" altLang="en-US" b="0" i="0" dirty="0">
+                <a:effectLst/>
+                <a:highlight>
+                  <a:srgbClr val="FFFFFF"/>
+                </a:highlight>
+                <a:latin typeface="YakuHanJPs"/>
+              </a:rPr>
+              <a:t>移行先への接続情報</a:t>
+            </a:r>
+            <a:r>
+              <a:rPr lang="en-US" altLang="ja-JP" b="0" i="0" dirty="0">
+                <a:effectLst/>
+                <a:highlight>
+                  <a:srgbClr val="FFFFFF"/>
+                </a:highlight>
+                <a:latin typeface="YakuHanJPs"/>
+              </a:rPr>
+              <a:t>)</a:t>
+            </a:r>
+            <a:r>
+              <a:rPr lang="ja-JP" altLang="en-US" b="0" i="0" dirty="0">
+                <a:effectLst/>
+                <a:highlight>
+                  <a:srgbClr val="FFFFFF"/>
+                </a:highlight>
+                <a:latin typeface="YakuHanJPs"/>
+              </a:rPr>
+              <a:t>を作成</a:t>
+            </a:r>
+          </a:p>
+          <a:p>
+            <a:pPr algn="l">
+              <a:buFont typeface="Arial" panose="020B0604020202020204" pitchFamily="34" charset="0"/>
+              <a:buChar char="•"/>
+            </a:pPr>
+            <a:r>
+              <a:rPr lang="ja-JP" altLang="en-US" b="0" i="0" dirty="0">
+                <a:effectLst/>
+                <a:highlight>
+                  <a:srgbClr val="FFFFFF"/>
+                </a:highlight>
+                <a:latin typeface="YakuHanJPs"/>
+              </a:rPr>
+              <a:t>データベース移行タスクを作成し、データ移行を開始</a:t>
+            </a:r>
+          </a:p>
+          <a:p>
+            <a:pPr algn="l">
+              <a:buFont typeface="Arial" panose="020B0604020202020204" pitchFamily="34" charset="0"/>
+              <a:buChar char="•"/>
+            </a:pPr>
+            <a:r>
+              <a:rPr lang="ja-JP" altLang="en-US" b="0" i="0" dirty="0">
+                <a:effectLst/>
+                <a:highlight>
+                  <a:srgbClr val="FFFFFF"/>
+                </a:highlight>
+                <a:latin typeface="YakuHanJPs"/>
+              </a:rPr>
+              <a:t>データ移行完了後、</a:t>
+            </a:r>
+            <a:r>
+              <a:rPr lang="en-US" altLang="ja-JP" b="0" i="0" dirty="0">
+                <a:effectLst/>
+                <a:highlight>
+                  <a:srgbClr val="FFFFFF"/>
+                </a:highlight>
+                <a:latin typeface="YakuHanJPs"/>
+              </a:rPr>
+              <a:t>WordPress</a:t>
+            </a:r>
+            <a:r>
+              <a:rPr lang="ja-JP" altLang="en-US" b="0" i="0" dirty="0">
+                <a:effectLst/>
+                <a:highlight>
+                  <a:srgbClr val="FFFFFF"/>
+                </a:highlight>
+                <a:latin typeface="YakuHanJPs"/>
+              </a:rPr>
+              <a:t>の</a:t>
+            </a:r>
+            <a:r>
+              <a:rPr lang="en-US" altLang="ja-JP" b="0" i="0" dirty="0">
+                <a:effectLst/>
+                <a:highlight>
+                  <a:srgbClr val="FFFFFF"/>
+                </a:highlight>
+                <a:latin typeface="YakuHanJPs"/>
+              </a:rPr>
+              <a:t>DB</a:t>
+            </a:r>
+            <a:r>
+              <a:rPr lang="ja-JP" altLang="en-US" b="0" i="0" dirty="0">
+                <a:effectLst/>
+                <a:highlight>
+                  <a:srgbClr val="FFFFFF"/>
+                </a:highlight>
+                <a:latin typeface="YakuHanJPs"/>
+              </a:rPr>
+              <a:t>接続設定を、</a:t>
+            </a:r>
+            <a:r>
+              <a:rPr lang="en-US" altLang="ja-JP" b="0" i="0" dirty="0">
+                <a:effectLst/>
+                <a:highlight>
+                  <a:srgbClr val="FFFFFF"/>
+                </a:highlight>
+                <a:latin typeface="YakuHanJPs"/>
+              </a:rPr>
+              <a:t>EC2</a:t>
+            </a:r>
+            <a:r>
+              <a:rPr lang="ja-JP" altLang="en-US" b="0" i="0" dirty="0">
+                <a:effectLst/>
+                <a:highlight>
+                  <a:srgbClr val="FFFFFF"/>
+                </a:highlight>
+                <a:latin typeface="YakuHanJPs"/>
+              </a:rPr>
+              <a:t>インスタンス内の</a:t>
+            </a:r>
+            <a:r>
+              <a:rPr lang="en-US" altLang="ja-JP" b="0" i="0" dirty="0">
+                <a:effectLst/>
+                <a:highlight>
+                  <a:srgbClr val="FFFFFF"/>
+                </a:highlight>
+                <a:latin typeface="YakuHanJPs"/>
+              </a:rPr>
+              <a:t>MariaDB</a:t>
+            </a:r>
+            <a:r>
+              <a:rPr lang="ja-JP" altLang="en-US" b="0" i="0" dirty="0">
+                <a:effectLst/>
+                <a:highlight>
+                  <a:srgbClr val="FFFFFF"/>
+                </a:highlight>
+                <a:latin typeface="YakuHanJPs"/>
+              </a:rPr>
+              <a:t>から</a:t>
+            </a:r>
+            <a:r>
+              <a:rPr lang="en-US" altLang="ja-JP" b="0" i="0" dirty="0">
+                <a:effectLst/>
+                <a:highlight>
+                  <a:srgbClr val="FFFFFF"/>
+                </a:highlight>
+                <a:latin typeface="YakuHanJPs"/>
+              </a:rPr>
+              <a:t>RDS(MariaDB)</a:t>
+            </a:r>
+            <a:r>
+              <a:rPr lang="ja-JP" altLang="en-US" b="0" i="0" dirty="0">
+                <a:effectLst/>
+                <a:highlight>
+                  <a:srgbClr val="FFFFFF"/>
+                </a:highlight>
+                <a:latin typeface="YakuHanJPs"/>
+              </a:rPr>
+              <a:t>へ変更</a:t>
+            </a:r>
+          </a:p>
+        </p:txBody>
+      </p:sp>
+    </p:spTree>
+    <p:extLst>
+      <p:ext uri="{BB962C8B-B14F-4D97-AF65-F5344CB8AC3E}">
+        <p14:creationId xmlns:p14="http://schemas.microsoft.com/office/powerpoint/2010/main" val="2875423919"/>
+      </p:ext>
+    </p:extLst>
+  </p:cSld>
+  <p:clrMapOvr>
+    <a:masterClrMapping/>
+  </p:clrMapOvr>
+</p:sld>
+</file>
+
+<file path=ppt/slides/slide5.xml><?xml version="1.0" encoding="utf-8"?>
+<p:sld xmlns:a="http://schemas.openxmlformats.org/drawingml/2006/main" xmlns:r="http://schemas.openxmlformats.org/officeDocument/2006/relationships" xmlns:p="http://schemas.openxmlformats.org/presentationml/2006/main">
+  <p:cSld>
+    <p:spTree>
+      <p:nvGrpSpPr>
+        <p:cNvPr id="1" name=""/>
+        <p:cNvGrpSpPr/>
+        <p:nvPr/>
+      </p:nvGrpSpPr>
+      <p:grpSpPr>
+        <a:xfrm>
+          <a:off x="0" y="0"/>
+          <a:ext cx="0" cy="0"/>
+          <a:chOff x="0" y="0"/>
+          <a:chExt cx="0" cy="0"/>
+        </a:xfrm>
+      </p:grpSpPr>
+      <p:sp>
+        <p:nvSpPr>
+          <p:cNvPr id="2" name="タイトル 1">
+            <a:extLst>
+              <a:ext uri="{FF2B5EF4-FFF2-40B4-BE49-F238E27FC236}">
+                <a16:creationId xmlns:a16="http://schemas.microsoft.com/office/drawing/2014/main" id="{8762E424-8930-4B70-960E-2E69BF8AC37C}"/>
+              </a:ext>
+            </a:extLst>
+          </p:cNvPr>
+          <p:cNvSpPr>
+            <a:spLocks noGrp="1"/>
+          </p:cNvSpPr>
+          <p:nvPr>
+            <p:ph type="title"/>
+          </p:nvPr>
+        </p:nvSpPr>
+        <p:spPr>
+          <a:xfrm>
+            <a:off x="237066" y="614362"/>
+            <a:ext cx="10515600" cy="600075"/>
+          </a:xfrm>
+        </p:spPr>
+        <p:txBody>
+          <a:bodyPr>
+            <a:normAutofit fontScale="90000"/>
+          </a:bodyPr>
+          <a:lstStyle/>
+          <a:p>
+            <a:pPr algn="l"/>
+            <a:r>
+              <a:rPr lang="ja-JP" altLang="en-US" b="0" i="0" dirty="0">
+                <a:solidFill>
+                  <a:srgbClr val="16191F"/>
+                </a:solidFill>
+                <a:effectLst/>
+                <a:highlight>
+                  <a:srgbClr val="FFFFFF"/>
+                </a:highlight>
+                <a:latin typeface="Amazon Ember"/>
+              </a:rPr>
+              <a:t>カスタマーゲートウェイデバイス</a:t>
+            </a:r>
+          </a:p>
+        </p:txBody>
+      </p:sp>
+      <p:pic>
+        <p:nvPicPr>
+          <p:cNvPr id="3074" name="Picture 2" descr="&#10;            高レベルのカスタマーゲートウェイの概要&#10;        ">
+            <a:extLst>
+              <a:ext uri="{FF2B5EF4-FFF2-40B4-BE49-F238E27FC236}">
+                <a16:creationId xmlns:a16="http://schemas.microsoft.com/office/drawing/2014/main" id="{ECCF1953-1B9B-A744-14EB-3FFD510AD843}"/>
+              </a:ext>
+            </a:extLst>
+          </p:cNvPr>
+          <p:cNvPicPr>
+            <a:picLocks noChangeAspect="1" noChangeArrowheads="1"/>
+          </p:cNvPicPr>
+          <p:nvPr/>
+        </p:nvPicPr>
+        <p:blipFill>
+          <a:blip r:embed="rId2">
+            <a:extLst>
+              <a:ext uri="{28A0092B-C50C-407E-A947-70E740481C1C}">
+                <a14:useLocalDpi xmlns:a14="http://schemas.microsoft.com/office/drawing/2010/main" val="0"/>
+              </a:ext>
+            </a:extLst>
+          </a:blip>
+          <a:srcRect/>
+          <a:stretch>
+            <a:fillRect/>
+          </a:stretch>
+        </p:blipFill>
+        <p:spPr bwMode="auto">
+          <a:xfrm>
+            <a:off x="1300412" y="1858963"/>
+            <a:ext cx="9591176" cy="3932237"/>
+          </a:xfrm>
+          <a:prstGeom prst="rect">
+            <a:avLst/>
+          </a:prstGeom>
+          <a:noFill/>
+          <a:extLst>
+            <a:ext uri="{909E8E84-426E-40DD-AFC4-6F175D3DCCD1}">
+              <a14:hiddenFill xmlns:a14="http://schemas.microsoft.com/office/drawing/2010/main">
+                <a:solidFill>
+                  <a:srgbClr val="FFFFFF"/>
+                </a:solidFill>
+              </a14:hiddenFill>
+            </a:ext>
+          </a:extLst>
+        </p:spPr>
+      </p:pic>
+    </p:spTree>
+    <p:extLst>
+      <p:ext uri="{BB962C8B-B14F-4D97-AF65-F5344CB8AC3E}">
+        <p14:creationId xmlns:p14="http://schemas.microsoft.com/office/powerpoint/2010/main" val="3279398574"/>
+      </p:ext>
+    </p:extLst>
+  </p:cSld>
+  <p:clrMapOvr>
+    <a:masterClrMapping/>
+  </p:clrMapOvr>
+</p:sld>
+</file>
+
 <file path=ppt/theme/theme1.xml><?xml version="1.0" encoding="utf-8"?>
 <a:theme xmlns:a="http://schemas.openxmlformats.org/drawingml/2006/main" name="Office テーマ">
   <a:themeElements>
